--- a/HOMEWORK1/HOMEWORK1.pptx
+++ b/HOMEWORK1/HOMEWORK1.pptx
@@ -298,7 +298,7 @@
           <a:p>
             <a:fld id="{CC2D6475-3A75-420A-8450-7D63D9337CB8}" type="datetimeFigureOut">
               <a:rPr lang="zh-TW" altLang="en-US" smtClean="0"/>
-              <a:t>2016/3/9</a:t>
+              <a:t>2016/3/13</a:t>
             </a:fld>
             <a:endParaRPr lang="zh-TW" altLang="en-US"/>
           </a:p>
@@ -468,7 +468,7 @@
           <a:p>
             <a:fld id="{CC2D6475-3A75-420A-8450-7D63D9337CB8}" type="datetimeFigureOut">
               <a:rPr lang="zh-TW" altLang="en-US" smtClean="0"/>
-              <a:t>2016/3/9</a:t>
+              <a:t>2016/3/13</a:t>
             </a:fld>
             <a:endParaRPr lang="zh-TW" altLang="en-US"/>
           </a:p>
@@ -643,7 +643,7 @@
           <a:p>
             <a:fld id="{CC2D6475-3A75-420A-8450-7D63D9337CB8}" type="datetimeFigureOut">
               <a:rPr lang="zh-TW" altLang="en-US" smtClean="0"/>
-              <a:t>2016/3/9</a:t>
+              <a:t>2016/3/13</a:t>
             </a:fld>
             <a:endParaRPr lang="zh-TW" altLang="en-US"/>
           </a:p>
@@ -845,7 +845,7 @@
           <a:p>
             <a:fld id="{CC2D6475-3A75-420A-8450-7D63D9337CB8}" type="datetimeFigureOut">
               <a:rPr lang="zh-TW" altLang="en-US" smtClean="0"/>
-              <a:t>2016/3/9</a:t>
+              <a:t>2016/3/13</a:t>
             </a:fld>
             <a:endParaRPr lang="zh-TW" altLang="en-US"/>
           </a:p>
@@ -1088,7 +1088,7 @@
           <a:p>
             <a:fld id="{CC2D6475-3A75-420A-8450-7D63D9337CB8}" type="datetimeFigureOut">
               <a:rPr lang="zh-TW" altLang="en-US" smtClean="0"/>
-              <a:t>2016/3/9</a:t>
+              <a:t>2016/3/13</a:t>
             </a:fld>
             <a:endParaRPr lang="zh-TW" altLang="en-US"/>
           </a:p>
@@ -1398,7 +1398,7 @@
           <a:p>
             <a:fld id="{CC2D6475-3A75-420A-8450-7D63D9337CB8}" type="datetimeFigureOut">
               <a:rPr lang="zh-TW" altLang="en-US" smtClean="0"/>
-              <a:t>2016/3/9</a:t>
+              <a:t>2016/3/13</a:t>
             </a:fld>
             <a:endParaRPr lang="zh-TW" altLang="en-US"/>
           </a:p>
@@ -1841,7 +1841,7 @@
           <a:p>
             <a:fld id="{CC2D6475-3A75-420A-8450-7D63D9337CB8}" type="datetimeFigureOut">
               <a:rPr lang="zh-TW" altLang="en-US" smtClean="0"/>
-              <a:t>2016/3/9</a:t>
+              <a:t>2016/3/13</a:t>
             </a:fld>
             <a:endParaRPr lang="zh-TW" altLang="en-US"/>
           </a:p>
@@ -1954,7 +1954,7 @@
           <a:p>
             <a:fld id="{CC2D6475-3A75-420A-8450-7D63D9337CB8}" type="datetimeFigureOut">
               <a:rPr lang="zh-TW" altLang="en-US" smtClean="0"/>
-              <a:t>2016/3/9</a:t>
+              <a:t>2016/3/13</a:t>
             </a:fld>
             <a:endParaRPr lang="zh-TW" altLang="en-US"/>
           </a:p>
@@ -2044,7 +2044,7 @@
           <a:p>
             <a:fld id="{CC2D6475-3A75-420A-8450-7D63D9337CB8}" type="datetimeFigureOut">
               <a:rPr lang="zh-TW" altLang="en-US" smtClean="0"/>
-              <a:t>2016/3/9</a:t>
+              <a:t>2016/3/13</a:t>
             </a:fld>
             <a:endParaRPr lang="zh-TW" altLang="en-US"/>
           </a:p>
@@ -2329,7 +2329,7 @@
           <a:p>
             <a:fld id="{CC2D6475-3A75-420A-8450-7D63D9337CB8}" type="datetimeFigureOut">
               <a:rPr lang="zh-TW" altLang="en-US" smtClean="0"/>
-              <a:t>2016/3/9</a:t>
+              <a:t>2016/3/13</a:t>
             </a:fld>
             <a:endParaRPr lang="zh-TW" altLang="en-US"/>
           </a:p>
@@ -2520,7 +2520,7 @@
           <a:p>
             <a:fld id="{CC2D6475-3A75-420A-8450-7D63D9337CB8}" type="datetimeFigureOut">
               <a:rPr lang="zh-TW" altLang="en-US" smtClean="0"/>
-              <a:t>2016/3/9</a:t>
+              <a:t>2016/3/13</a:t>
             </a:fld>
             <a:endParaRPr lang="zh-TW" altLang="en-US"/>
           </a:p>
@@ -23020,7 +23020,7 @@
           <a:p>
             <a:fld id="{CC2D6475-3A75-420A-8450-7D63D9337CB8}" type="datetimeFigureOut">
               <a:rPr lang="zh-TW" altLang="en-US" smtClean="0"/>
-              <a:t>2016/3/9</a:t>
+              <a:t>2016/3/13</a:t>
             </a:fld>
             <a:endParaRPr lang="zh-TW" altLang="en-US"/>
           </a:p>
@@ -23961,20 +23961,12 @@
               <a:rPr lang="en-US" altLang="zh-TW" dirty="0"/>
               <a:t>class Student{</a:t>
             </a:r>
-            <a:r>
-              <a:rPr lang="en-US" altLang="zh-TW" dirty="0"/>
-              <a:t/>
-            </a:r>
             <a:br>
               <a:rPr lang="en-US" altLang="zh-TW" dirty="0"/>
             </a:br>
             <a:r>
               <a:rPr lang="en-US" altLang="zh-TW" dirty="0"/>
               <a:t>public string name;</a:t>
-            </a:r>
-            <a:r>
-              <a:rPr lang="en-US" altLang="zh-TW" dirty="0"/>
-              <a:t/>
             </a:r>
             <a:br>
               <a:rPr lang="en-US" altLang="zh-TW" dirty="0"/>
@@ -23983,20 +23975,12 @@
               <a:rPr lang="en-US" altLang="zh-TW" dirty="0"/>
               <a:t>public string email;</a:t>
             </a:r>
-            <a:r>
-              <a:rPr lang="en-US" altLang="zh-TW" dirty="0"/>
-              <a:t/>
-            </a:r>
             <a:br>
               <a:rPr lang="en-US" altLang="zh-TW" dirty="0"/>
             </a:br>
             <a:r>
               <a:rPr lang="en-US" altLang="zh-TW" dirty="0"/>
               <a:t>public string phone;</a:t>
-            </a:r>
-            <a:r>
-              <a:rPr lang="en-US" altLang="zh-TW" dirty="0"/>
-              <a:t/>
             </a:r>
             <a:br>
               <a:rPr lang="en-US" altLang="zh-TW" dirty="0"/>
@@ -24020,10 +24004,6 @@
               <a:rPr lang="zh-TW" altLang="en-US" dirty="0"/>
               <a:t>重新建立一筆用新格式建立的資料</a:t>
             </a:r>
-            <a:r>
-              <a:rPr lang="zh-TW" altLang="en-US" dirty="0"/>
-              <a:t/>
-            </a:r>
             <a:br>
               <a:rPr lang="zh-TW" altLang="en-US" dirty="0"/>
             </a:br>
@@ -24039,7 +24019,6 @@
               <a:rPr lang="zh-TW" altLang="en-US" dirty="0"/>
               <a:t>顯示出來</a:t>
             </a:r>
-            <a:endParaRPr lang="zh-TW" altLang="en-US" dirty="0"/>
           </a:p>
         </p:txBody>
       </p:sp>
@@ -24105,11 +24084,13 @@
       </p:sp>
       <p:pic>
         <p:nvPicPr>
-          <p:cNvPr id="7" name="圖片 6" descr="畫面剪輯"/>
+          <p:cNvPr id="4" name="內容版面配置區 3" descr="畫面剪輯"/>
           <p:cNvPicPr>
-            <a:picLocks noChangeAspect="1"/>
+            <a:picLocks noGrp="1" noChangeAspect="1"/>
           </p:cNvPicPr>
-          <p:nvPr/>
+          <p:nvPr>
+            <p:ph idx="1"/>
+          </p:nvPr>
         </p:nvPicPr>
         <p:blipFill>
           <a:blip r:embed="rId2">
@@ -24125,23 +24106,18 @@
         </p:blipFill>
         <p:spPr>
           <a:xfrm>
-            <a:off x="1115616" y="5229200"/>
-            <a:ext cx="2981741" cy="1438476"/>
+            <a:off x="683568" y="1556792"/>
+            <a:ext cx="2267267" cy="3381847"/>
           </a:xfrm>
-          <a:prstGeom prst="rect">
-            <a:avLst/>
-          </a:prstGeom>
         </p:spPr>
       </p:pic>
       <p:pic>
         <p:nvPicPr>
-          <p:cNvPr id="9" name="內容版面配置區 8" descr="畫面剪輯"/>
+          <p:cNvPr id="5" name="圖片 4" descr="畫面剪輯"/>
           <p:cNvPicPr>
-            <a:picLocks noGrp="1" noChangeAspect="1"/>
+            <a:picLocks noChangeAspect="1"/>
           </p:cNvPicPr>
-          <p:nvPr>
-            <p:ph idx="1"/>
-          </p:nvPr>
+          <p:nvPr/>
         </p:nvPicPr>
         <p:blipFill>
           <a:blip r:embed="rId3">
@@ -24157,20 +24133,23 @@
         </p:blipFill>
         <p:spPr>
           <a:xfrm>
-            <a:off x="1115616" y="1484784"/>
-            <a:ext cx="2095793" cy="1247949"/>
+            <a:off x="3563888" y="1556792"/>
+            <a:ext cx="3429479" cy="4715533"/>
           </a:xfrm>
+          <a:prstGeom prst="rect">
+            <a:avLst/>
+          </a:prstGeom>
         </p:spPr>
       </p:pic>
       <p:pic>
         <p:nvPicPr>
-          <p:cNvPr id="10" name="圖片 9" descr="畫面剪輯"/>
+          <p:cNvPr id="1026" name="Picture 2"/>
           <p:cNvPicPr>
-            <a:picLocks noChangeAspect="1"/>
+            <a:picLocks noChangeAspect="1" noChangeArrowheads="1"/>
           </p:cNvPicPr>
           <p:nvPr/>
         </p:nvPicPr>
-        <p:blipFill>
+        <p:blipFill rotWithShape="1">
           <a:blip r:embed="rId4">
             <a:extLst>
               <a:ext uri="{28A0092B-C50C-407E-A947-70E740481C1C}">
@@ -24178,18 +24157,40 @@
               </a:ext>
             </a:extLst>
           </a:blip>
-          <a:stretch>
-            <a:fillRect/>
-          </a:stretch>
+          <a:srcRect r="53102" b="58126"/>
+          <a:stretch/>
         </p:blipFill>
-        <p:spPr>
+        <p:spPr bwMode="auto">
           <a:xfrm>
-            <a:off x="1115616" y="2780928"/>
-            <a:ext cx="3077005" cy="2305372"/>
+            <a:off x="395536" y="5091113"/>
+            <a:ext cx="3024187" cy="1766887"/>
           </a:xfrm>
           <a:prstGeom prst="rect">
             <a:avLst/>
           </a:prstGeom>
+          <a:noFill/>
+          <a:ln>
+            <a:noFill/>
+          </a:ln>
+          <a:extLst>
+            <a:ext uri="{909E8E84-426E-40DD-AFC4-6F175D3DCCD1}">
+              <a14:hiddenFill xmlns:a14="http://schemas.microsoft.com/office/drawing/2010/main">
+                <a:solidFill>
+                  <a:schemeClr val="accent1"/>
+                </a:solidFill>
+              </a14:hiddenFill>
+            </a:ext>
+            <a:ext uri="{91240B29-F687-4F45-9708-019B960494DF}">
+              <a14:hiddenLine xmlns:a14="http://schemas.microsoft.com/office/drawing/2010/main" w="9525">
+                <a:solidFill>
+                  <a:schemeClr val="tx1"/>
+                </a:solidFill>
+                <a:miter lim="800000"/>
+                <a:headEnd/>
+                <a:tailEnd/>
+              </a14:hiddenLine>
+            </a:ext>
+          </a:extLst>
         </p:spPr>
       </p:pic>
     </p:spTree>
